--- a/pitch deck template_darts.pptx
+++ b/pitch deck template_darts.pptx
@@ -821,7 +821,7 @@
         </p:nvSpPr>
         <p:spPr>
           <a:xfrm>
-            <a:off x="381000" y="685800"/>
+            <a:off x="381300" y="685800"/>
             <a:ext cx="6096000" cy="3429000"/>
           </a:xfrm>
           <a:custGeom>
@@ -1029,7 +1029,7 @@
         </p:nvSpPr>
         <p:spPr>
           <a:xfrm>
-            <a:off x="381000" y="685800"/>
+            <a:off x="381300" y="685800"/>
             <a:ext cx="6096000" cy="3429000"/>
           </a:xfrm>
           <a:custGeom>
@@ -6305,22 +6305,22 @@
           </a:bodyPr>
           <a:lstStyle/>
           <a:p>
-            <a:pPr lvl="0"/>
+            <a:pPr marL="0" lvl="0" indent="0" algn="l" rtl="0">
+              <a:lnSpc>
+                <a:spcPct val="100000"/>
+              </a:lnSpc>
+              <a:spcBef>
+                <a:spcPts val="0"/>
+              </a:spcBef>
+              <a:spcAft>
+                <a:spcPts val="0"/>
+              </a:spcAft>
+              <a:buSzPts val="2800"/>
+              <a:buNone/>
+            </a:pPr>
             <a:r>
-              <a:rPr lang="en" dirty="0"/>
-              <a:t>            It solves the </a:t>
-            </a:r>
-            <a:r>
-              <a:rPr lang="en" dirty="0" smtClean="0"/>
-              <a:t>probems </a:t>
-            </a:r>
-            <a:r>
-              <a:rPr lang="en" dirty="0"/>
-              <a:t>of safety and  helps </a:t>
-            </a:r>
-            <a:r>
-              <a:rPr lang="en" dirty="0" smtClean="0"/>
-              <a:t>in reducing traffic accidents</a:t>
+              <a:rPr lang="en"/>
+              <a:t>            It solves the probema of safety and  helps in         reducing traffic accidents</a:t>
             </a:r>
             <a:endParaRPr/>
           </a:p>
@@ -6615,16 +6615,8 @@
               <a:buNone/>
             </a:pPr>
             <a:r>
-              <a:rPr lang="en" dirty="0"/>
-              <a:t>By measuring the attentiveness of the driver we are able to measure the quality of this driving. At </a:t>
-            </a:r>
-            <a:r>
-              <a:rPr lang="en" dirty="0" smtClean="0"/>
-              <a:t>the </a:t>
-            </a:r>
-            <a:r>
-              <a:rPr lang="en" dirty="0"/>
-              <a:t>same time we also ensure the safety of a passenger in a cab with this product. Every vehicle will be installed with this camera to solve these issue. With improved attentiveness of drivers, traffic accidents would be reduced.</a:t>
+              <a:rPr lang="en"/>
+              <a:t>By measuring the attentiveness of the driver we are able to measure the quality of this driving. At tge same time we also ensure the safety of a passenger in a cab with this product. Every vehicle will be installed with this camera to solve these issue. With improved attentiveness of drivers, traffic accidents would be reduced.</a:t>
             </a:r>
             <a:endParaRPr/>
           </a:p>
@@ -6857,39 +6849,20 @@
               <a:buNone/>
             </a:pPr>
             <a:r>
-              <a:rPr lang="en-IN" dirty="0" smtClean="0"/>
-              <a:t>-Skilled Drivers</a:t>
+              <a:rPr lang="en-US" dirty="0" smtClean="0"/>
+              <a:t>Our idea can be </a:t>
             </a:r>
-            <a:endParaRPr lang="en-IN" dirty="0" smtClean="0"/>
-          </a:p>
-          <a:p>
-            <a:pPr marL="0" lvl="0" indent="0" algn="l" rtl="0">
-              <a:spcBef>
-                <a:spcPts val="0"/>
-              </a:spcBef>
-              <a:spcAft>
-                <a:spcPts val="1600"/>
-              </a:spcAft>
-              <a:buNone/>
-            </a:pPr>
             <a:r>
-              <a:rPr lang="en-IN" dirty="0" smtClean="0"/>
-              <a:t>-Improved Safety in Cabs</a:t>
+              <a:rPr lang="en-US" dirty="0" err="1" smtClean="0"/>
+              <a:t>upscaled</a:t>
             </a:r>
-          </a:p>
-          <a:p>
-            <a:pPr marL="0" lvl="0" indent="0" algn="l" rtl="0">
-              <a:spcBef>
-                <a:spcPts val="0"/>
-              </a:spcBef>
-              <a:spcAft>
-                <a:spcPts val="1600"/>
-              </a:spcAft>
-              <a:buNone/>
-            </a:pPr>
             <a:r>
-              <a:rPr lang="en-IN" dirty="0" smtClean="0"/>
-              <a:t>-Reduced Traffic Accidents</a:t>
+              <a:rPr lang="en-US" dirty="0" smtClean="0"/>
+              <a:t> by collaboration with government. The small camera facing towards the driver can be made compulsory to be available in the vehicles by adding some rules in the existing safety requirements of the vehicle. This will help from the extent of avoiding accidents, recognizing good drivers to the extent of accident investigation as we know not only drivers but also crowd is careless in India on road. In case any accident occurs, in today’s scenario, person with heavy vehicle is first and foremost is assumed guilty. With the camera installed, the driver can have a proof of attentiveness and help a great deal in proving </a:t>
+            </a:r>
+            <a:r>
+              <a:rPr lang="en-US" smtClean="0"/>
+              <a:t>someone’s innocence.</a:t>
             </a:r>
             <a:endParaRPr/>
           </a:p>
